--- a/Mockup-GUI-Space-Invaders-final.pptx
+++ b/Mockup-GUI-Space-Invaders-final.pptx
@@ -118,7 +118,7 @@
 <file path=ppt/revisionInfo.xml><?xml version="1.0" encoding="utf-8"?>
 <p1510:revInfo xmlns:a="http://schemas.openxmlformats.org/drawingml/2006/main" xmlns:r="http://schemas.openxmlformats.org/officeDocument/2006/relationships" xmlns:p1510="http://schemas.microsoft.com/office/powerpoint/2015/10/main">
   <p1510:revLst>
-    <p1510:client id="{FC9482EF-B6FC-4658-8B02-DB85ED4B69F0}" v="12" dt="2021-05-21T14:01:57.389"/>
+    <p1510:client id="{FC9482EF-B6FC-4658-8B02-DB85ED4B69F0}" v="14" dt="2021-05-21T14:43:12.559"/>
   </p1510:revLst>
 </p1510:revInfo>
 </file>
@@ -128,7 +128,7 @@
   <pc:docChgLst>
     <pc:chgData name="Patrick Bigge" userId="d8481a07a56f1e5f" providerId="LiveId" clId="{FC9482EF-B6FC-4658-8B02-DB85ED4B69F0}"/>
     <pc:docChg chg="undo redo custSel modSld">
-      <pc:chgData name="Patrick Bigge" userId="d8481a07a56f1e5f" providerId="LiveId" clId="{FC9482EF-B6FC-4658-8B02-DB85ED4B69F0}" dt="2021-05-21T14:02:11.405" v="268" actId="20577"/>
+      <pc:chgData name="Patrick Bigge" userId="d8481a07a56f1e5f" providerId="LiveId" clId="{FC9482EF-B6FC-4658-8B02-DB85ED4B69F0}" dt="2021-05-21T14:43:19.041" v="272" actId="1076"/>
       <pc:docMkLst>
         <pc:docMk/>
       </pc:docMkLst>
@@ -148,7 +148,7 @@
         </pc:spChg>
       </pc:sldChg>
       <pc:sldChg chg="addSp modSp mod">
-        <pc:chgData name="Patrick Bigge" userId="d8481a07a56f1e5f" providerId="LiveId" clId="{FC9482EF-B6FC-4658-8B02-DB85ED4B69F0}" dt="2021-05-21T14:01:47.607" v="256" actId="20577"/>
+        <pc:chgData name="Patrick Bigge" userId="d8481a07a56f1e5f" providerId="LiveId" clId="{FC9482EF-B6FC-4658-8B02-DB85ED4B69F0}" dt="2021-05-21T14:43:19.041" v="272" actId="1076"/>
         <pc:sldMkLst>
           <pc:docMk/>
           <pc:sldMk cId="645588530" sldId="259"/>
@@ -167,6 +167,22 @@
             <pc:docMk/>
             <pc:sldMk cId="645588530" sldId="259"/>
             <ac:spMk id="68" creationId="{54E514EF-5070-4647-A613-D0D61556FCFC}"/>
+          </ac:spMkLst>
+        </pc:spChg>
+        <pc:spChg chg="add mod">
+          <ac:chgData name="Patrick Bigge" userId="d8481a07a56f1e5f" providerId="LiveId" clId="{FC9482EF-B6FC-4658-8B02-DB85ED4B69F0}" dt="2021-05-21T14:43:10.400" v="270" actId="1076"/>
+          <ac:spMkLst>
+            <pc:docMk/>
+            <pc:sldMk cId="645588530" sldId="259"/>
+            <ac:spMk id="69" creationId="{C3F0DD22-2BDB-466E-93CC-035D137F1148}"/>
+          </ac:spMkLst>
+        </pc:spChg>
+        <pc:spChg chg="add mod">
+          <ac:chgData name="Patrick Bigge" userId="d8481a07a56f1e5f" providerId="LiveId" clId="{FC9482EF-B6FC-4658-8B02-DB85ED4B69F0}" dt="2021-05-21T14:43:19.041" v="272" actId="1076"/>
+          <ac:spMkLst>
+            <pc:docMk/>
+            <pc:sldMk cId="645588530" sldId="259"/>
+            <ac:spMk id="70" creationId="{B73B429B-9716-49A9-91E4-71E1467CC625}"/>
           </ac:spMkLst>
         </pc:spChg>
         <pc:cxnChg chg="mod">
@@ -7612,6 +7628,114 @@
           </a:p>
         </p:txBody>
       </p:sp>
+      <p:sp>
+        <p:nvSpPr>
+          <p:cNvPr id="69" name="Arrow: Left 68">
+            <a:extLst>
+              <a:ext uri="{FF2B5EF4-FFF2-40B4-BE49-F238E27FC236}">
+                <a16:creationId xmlns:a16="http://schemas.microsoft.com/office/drawing/2014/main" id="{C3F0DD22-2BDB-466E-93CC-035D137F1148}"/>
+              </a:ext>
+            </a:extLst>
+          </p:cNvPr>
+          <p:cNvSpPr/>
+          <p:nvPr/>
+        </p:nvSpPr>
+        <p:spPr>
+          <a:xfrm rot="16200000">
+            <a:off x="8637693" y="3278791"/>
+            <a:ext cx="303922" cy="46140"/>
+          </a:xfrm>
+          <a:prstGeom prst="leftArrow">
+            <a:avLst/>
+          </a:prstGeom>
+          <a:solidFill>
+            <a:schemeClr val="tx1"/>
+          </a:solidFill>
+          <a:ln>
+            <a:solidFill>
+              <a:schemeClr val="tx1"/>
+            </a:solidFill>
+          </a:ln>
+        </p:spPr>
+        <p:style>
+          <a:lnRef idx="2">
+            <a:schemeClr val="accent1">
+              <a:shade val="50000"/>
+            </a:schemeClr>
+          </a:lnRef>
+          <a:fillRef idx="1">
+            <a:schemeClr val="accent1"/>
+          </a:fillRef>
+          <a:effectRef idx="0">
+            <a:schemeClr val="accent1"/>
+          </a:effectRef>
+          <a:fontRef idx="minor">
+            <a:schemeClr val="lt1"/>
+          </a:fontRef>
+        </p:style>
+        <p:txBody>
+          <a:bodyPr rtlCol="0" anchor="ctr"/>
+          <a:lstStyle/>
+          <a:p>
+            <a:pPr algn="ctr"/>
+            <a:endParaRPr lang="en-US"/>
+          </a:p>
+        </p:txBody>
+      </p:sp>
+      <p:sp>
+        <p:nvSpPr>
+          <p:cNvPr id="70" name="Arrow: Left 69">
+            <a:extLst>
+              <a:ext uri="{FF2B5EF4-FFF2-40B4-BE49-F238E27FC236}">
+                <a16:creationId xmlns:a16="http://schemas.microsoft.com/office/drawing/2014/main" id="{B73B429B-9716-49A9-91E4-71E1467CC625}"/>
+              </a:ext>
+            </a:extLst>
+          </p:cNvPr>
+          <p:cNvSpPr/>
+          <p:nvPr/>
+        </p:nvSpPr>
+        <p:spPr>
+          <a:xfrm rot="16200000">
+            <a:off x="6521987" y="2458706"/>
+            <a:ext cx="303922" cy="46140"/>
+          </a:xfrm>
+          <a:prstGeom prst="leftArrow">
+            <a:avLst/>
+          </a:prstGeom>
+          <a:solidFill>
+            <a:schemeClr val="tx1"/>
+          </a:solidFill>
+          <a:ln>
+            <a:solidFill>
+              <a:schemeClr val="tx1"/>
+            </a:solidFill>
+          </a:ln>
+        </p:spPr>
+        <p:style>
+          <a:lnRef idx="2">
+            <a:schemeClr val="accent1">
+              <a:shade val="50000"/>
+            </a:schemeClr>
+          </a:lnRef>
+          <a:fillRef idx="1">
+            <a:schemeClr val="accent1"/>
+          </a:fillRef>
+          <a:effectRef idx="0">
+            <a:schemeClr val="accent1"/>
+          </a:effectRef>
+          <a:fontRef idx="minor">
+            <a:schemeClr val="lt1"/>
+          </a:fontRef>
+        </p:style>
+        <p:txBody>
+          <a:bodyPr rtlCol="0" anchor="ctr"/>
+          <a:lstStyle/>
+          <a:p>
+            <a:pPr algn="ctr"/>
+            <a:endParaRPr lang="en-US"/>
+          </a:p>
+        </p:txBody>
+      </p:sp>
     </p:spTree>
     <p:extLst>
       <p:ext uri="{BB962C8B-B14F-4D97-AF65-F5344CB8AC3E}">

--- a/Mockup-GUI-Space-Invaders-final.pptx
+++ b/Mockup-GUI-Space-Invaders-final.pptx
@@ -118,7 +118,7 @@
 <file path=ppt/revisionInfo.xml><?xml version="1.0" encoding="utf-8"?>
 <p1510:revInfo xmlns:a="http://schemas.openxmlformats.org/drawingml/2006/main" xmlns:r="http://schemas.openxmlformats.org/officeDocument/2006/relationships" xmlns:p1510="http://schemas.microsoft.com/office/powerpoint/2015/10/main">
   <p1510:revLst>
-    <p1510:client id="{FC9482EF-B6FC-4658-8B02-DB85ED4B69F0}" v="14" dt="2021-05-21T14:43:12.559"/>
+    <p1510:client id="{FC9482EF-B6FC-4658-8B02-DB85ED4B69F0}" v="18" dt="2021-05-24T17:58:15.699"/>
   </p1510:revLst>
 </p1510:revInfo>
 </file>
@@ -128,16 +128,64 @@
   <pc:docChgLst>
     <pc:chgData name="Patrick Bigge" userId="d8481a07a56f1e5f" providerId="LiveId" clId="{FC9482EF-B6FC-4658-8B02-DB85ED4B69F0}"/>
     <pc:docChg chg="undo redo custSel modSld">
-      <pc:chgData name="Patrick Bigge" userId="d8481a07a56f1e5f" providerId="LiveId" clId="{FC9482EF-B6FC-4658-8B02-DB85ED4B69F0}" dt="2021-05-21T14:43:19.041" v="272" actId="1076"/>
+      <pc:chgData name="Patrick Bigge" userId="d8481a07a56f1e5f" providerId="LiveId" clId="{FC9482EF-B6FC-4658-8B02-DB85ED4B69F0}" dt="2021-05-24T17:59:21.429" v="428" actId="1036"/>
       <pc:docMkLst>
         <pc:docMk/>
       </pc:docMkLst>
-      <pc:sldChg chg="addSp modSp mod">
-        <pc:chgData name="Patrick Bigge" userId="d8481a07a56f1e5f" providerId="LiveId" clId="{FC9482EF-B6FC-4658-8B02-DB85ED4B69F0}" dt="2021-05-21T14:02:11.405" v="268" actId="20577"/>
+      <pc:sldChg chg="addSp delSp modSp mod">
+        <pc:chgData name="Patrick Bigge" userId="d8481a07a56f1e5f" providerId="LiveId" clId="{FC9482EF-B6FC-4658-8B02-DB85ED4B69F0}" dt="2021-05-24T17:58:36.475" v="346" actId="20577"/>
         <pc:sldMkLst>
           <pc:docMk/>
           <pc:sldMk cId="3658038646" sldId="258"/>
         </pc:sldMkLst>
+        <pc:spChg chg="add mod">
+          <ac:chgData name="Patrick Bigge" userId="d8481a07a56f1e5f" providerId="LiveId" clId="{FC9482EF-B6FC-4658-8B02-DB85ED4B69F0}" dt="2021-05-24T17:56:47.650" v="329" actId="14100"/>
+          <ac:spMkLst>
+            <pc:docMk/>
+            <pc:sldMk cId="3658038646" sldId="258"/>
+            <ac:spMk id="18" creationId="{337CE1E2-4D0F-4146-BA0C-23A7B471A2C2}"/>
+          </ac:spMkLst>
+        </pc:spChg>
+        <pc:spChg chg="add del mod">
+          <ac:chgData name="Patrick Bigge" userId="d8481a07a56f1e5f" providerId="LiveId" clId="{FC9482EF-B6FC-4658-8B02-DB85ED4B69F0}" dt="2021-05-24T17:58:10.509" v="339"/>
+          <ac:spMkLst>
+            <pc:docMk/>
+            <pc:sldMk cId="3658038646" sldId="258"/>
+            <ac:spMk id="19" creationId="{F06F66FB-B1B9-426E-9D5A-A614DBBE312E}"/>
+          </ac:spMkLst>
+        </pc:spChg>
+        <pc:spChg chg="mod">
+          <ac:chgData name="Patrick Bigge" userId="d8481a07a56f1e5f" providerId="LiveId" clId="{FC9482EF-B6FC-4658-8B02-DB85ED4B69F0}" dt="2021-05-24T17:57:49.143" v="334" actId="14100"/>
+          <ac:spMkLst>
+            <pc:docMk/>
+            <pc:sldMk cId="3658038646" sldId="258"/>
+            <ac:spMk id="21" creationId="{C672305A-B62D-4B70-8D64-97450EDCAE44}"/>
+          </ac:spMkLst>
+        </pc:spChg>
+        <pc:spChg chg="add mod">
+          <ac:chgData name="Patrick Bigge" userId="d8481a07a56f1e5f" providerId="LiveId" clId="{FC9482EF-B6FC-4658-8B02-DB85ED4B69F0}" dt="2021-05-24T17:58:36.475" v="346" actId="20577"/>
+          <ac:spMkLst>
+            <pc:docMk/>
+            <pc:sldMk cId="3658038646" sldId="258"/>
+            <ac:spMk id="22" creationId="{644379F3-5FD3-41EB-8342-D949181FCAF1}"/>
+          </ac:spMkLst>
+        </pc:spChg>
+        <pc:spChg chg="del mod">
+          <ac:chgData name="Patrick Bigge" userId="d8481a07a56f1e5f" providerId="LiveId" clId="{FC9482EF-B6FC-4658-8B02-DB85ED4B69F0}" dt="2021-05-24T17:58:12.952" v="340" actId="478"/>
+          <ac:spMkLst>
+            <pc:docMk/>
+            <pc:sldMk cId="3658038646" sldId="258"/>
+            <ac:spMk id="23" creationId="{523AE0A8-0158-47A0-98C7-1D94757420D9}"/>
+          </ac:spMkLst>
+        </pc:spChg>
+        <pc:spChg chg="mod">
+          <ac:chgData name="Patrick Bigge" userId="d8481a07a56f1e5f" providerId="LiveId" clId="{FC9482EF-B6FC-4658-8B02-DB85ED4B69F0}" dt="2021-05-24T17:58:03.207" v="337" actId="1035"/>
+          <ac:spMkLst>
+            <pc:docMk/>
+            <pc:sldMk cId="3658038646" sldId="258"/>
+            <ac:spMk id="24" creationId="{8C6CC029-7837-4EAE-80D2-CE05272F4977}"/>
+          </ac:spMkLst>
+        </pc:spChg>
         <pc:spChg chg="add mod">
           <ac:chgData name="Patrick Bigge" userId="d8481a07a56f1e5f" providerId="LiveId" clId="{FC9482EF-B6FC-4658-8B02-DB85ED4B69F0}" dt="2021-05-21T14:02:11.405" v="268" actId="20577"/>
           <ac:spMkLst>
@@ -148,21 +196,157 @@
         </pc:spChg>
       </pc:sldChg>
       <pc:sldChg chg="addSp modSp mod">
-        <pc:chgData name="Patrick Bigge" userId="d8481a07a56f1e5f" providerId="LiveId" clId="{FC9482EF-B6FC-4658-8B02-DB85ED4B69F0}" dt="2021-05-21T14:43:19.041" v="272" actId="1076"/>
+        <pc:chgData name="Patrick Bigge" userId="d8481a07a56f1e5f" providerId="LiveId" clId="{FC9482EF-B6FC-4658-8B02-DB85ED4B69F0}" dt="2021-05-24T17:59:21.429" v="428" actId="1036"/>
         <pc:sldMkLst>
           <pc:docMk/>
           <pc:sldMk cId="645588530" sldId="259"/>
         </pc:sldMkLst>
         <pc:spChg chg="mod">
-          <ac:chgData name="Patrick Bigge" userId="d8481a07a56f1e5f" providerId="LiveId" clId="{FC9482EF-B6FC-4658-8B02-DB85ED4B69F0}" dt="2021-05-21T13:58:15.338" v="151" actId="20577"/>
+          <ac:chgData name="Patrick Bigge" userId="d8481a07a56f1e5f" providerId="LiveId" clId="{FC9482EF-B6FC-4658-8B02-DB85ED4B69F0}" dt="2021-05-23T13:57:43.794" v="310" actId="1038"/>
+          <ac:spMkLst>
+            <pc:docMk/>
+            <pc:sldMk cId="645588530" sldId="259"/>
+            <ac:spMk id="7" creationId="{ACC1C693-A1B1-4D45-8ABA-491D09A20D88}"/>
+          </ac:spMkLst>
+        </pc:spChg>
+        <pc:spChg chg="mod">
+          <ac:chgData name="Patrick Bigge" userId="d8481a07a56f1e5f" providerId="LiveId" clId="{FC9482EF-B6FC-4658-8B02-DB85ED4B69F0}" dt="2021-05-23T13:57:43.794" v="310" actId="1038"/>
+          <ac:spMkLst>
+            <pc:docMk/>
+            <pc:sldMk cId="645588530" sldId="259"/>
+            <ac:spMk id="8" creationId="{918EFF85-9234-4B56-9E96-3B1477B3D154}"/>
+          </ac:spMkLst>
+        </pc:spChg>
+        <pc:spChg chg="mod">
+          <ac:chgData name="Patrick Bigge" userId="d8481a07a56f1e5f" providerId="LiveId" clId="{FC9482EF-B6FC-4658-8B02-DB85ED4B69F0}" dt="2021-05-23T13:57:43.794" v="310" actId="1038"/>
           <ac:spMkLst>
             <pc:docMk/>
             <pc:sldMk cId="645588530" sldId="259"/>
             <ac:spMk id="9" creationId="{CF4124EA-9D05-47E3-964F-D2AA21A543D6}"/>
           </ac:spMkLst>
         </pc:spChg>
+        <pc:spChg chg="mod">
+          <ac:chgData name="Patrick Bigge" userId="d8481a07a56f1e5f" providerId="LiveId" clId="{FC9482EF-B6FC-4658-8B02-DB85ED4B69F0}" dt="2021-05-23T13:57:43.794" v="310" actId="1038"/>
+          <ac:spMkLst>
+            <pc:docMk/>
+            <pc:sldMk cId="645588530" sldId="259"/>
+            <ac:spMk id="10" creationId="{07D35DC2-2CF6-4DE9-9628-B2C9663EF157}"/>
+          </ac:spMkLst>
+        </pc:spChg>
+        <pc:spChg chg="mod">
+          <ac:chgData name="Patrick Bigge" userId="d8481a07a56f1e5f" providerId="LiveId" clId="{FC9482EF-B6FC-4658-8B02-DB85ED4B69F0}" dt="2021-05-23T13:57:43.794" v="310" actId="1038"/>
+          <ac:spMkLst>
+            <pc:docMk/>
+            <pc:sldMk cId="645588530" sldId="259"/>
+            <ac:spMk id="11" creationId="{9D52BAA6-7997-4A25-AF32-08914681A092}"/>
+          </ac:spMkLst>
+        </pc:spChg>
+        <pc:spChg chg="mod">
+          <ac:chgData name="Patrick Bigge" userId="d8481a07a56f1e5f" providerId="LiveId" clId="{FC9482EF-B6FC-4658-8B02-DB85ED4B69F0}" dt="2021-05-23T13:57:43.794" v="310" actId="1038"/>
+          <ac:spMkLst>
+            <pc:docMk/>
+            <pc:sldMk cId="645588530" sldId="259"/>
+            <ac:spMk id="12" creationId="{F33922BF-561F-4DE2-A3A0-E13CBDE5B3AE}"/>
+          </ac:spMkLst>
+        </pc:spChg>
+        <pc:spChg chg="mod">
+          <ac:chgData name="Patrick Bigge" userId="d8481a07a56f1e5f" providerId="LiveId" clId="{FC9482EF-B6FC-4658-8B02-DB85ED4B69F0}" dt="2021-05-23T13:57:43.794" v="310" actId="1038"/>
+          <ac:spMkLst>
+            <pc:docMk/>
+            <pc:sldMk cId="645588530" sldId="259"/>
+            <ac:spMk id="13" creationId="{33F5168A-0414-4446-A6E7-DF4C66D63736}"/>
+          </ac:spMkLst>
+        </pc:spChg>
+        <pc:spChg chg="mod">
+          <ac:chgData name="Patrick Bigge" userId="d8481a07a56f1e5f" providerId="LiveId" clId="{FC9482EF-B6FC-4658-8B02-DB85ED4B69F0}" dt="2021-05-23T13:57:43.794" v="310" actId="1038"/>
+          <ac:spMkLst>
+            <pc:docMk/>
+            <pc:sldMk cId="645588530" sldId="259"/>
+            <ac:spMk id="15" creationId="{5158600F-B0F0-4479-B4A6-4294DB08D0BA}"/>
+          </ac:spMkLst>
+        </pc:spChg>
+        <pc:spChg chg="mod">
+          <ac:chgData name="Patrick Bigge" userId="d8481a07a56f1e5f" providerId="LiveId" clId="{FC9482EF-B6FC-4658-8B02-DB85ED4B69F0}" dt="2021-05-24T17:59:21.429" v="428" actId="1036"/>
+          <ac:spMkLst>
+            <pc:docMk/>
+            <pc:sldMk cId="645588530" sldId="259"/>
+            <ac:spMk id="28" creationId="{38AA8EE9-BB85-4695-8D63-42FA568E03A4}"/>
+          </ac:spMkLst>
+        </pc:spChg>
+        <pc:spChg chg="mod">
+          <ac:chgData name="Patrick Bigge" userId="d8481a07a56f1e5f" providerId="LiveId" clId="{FC9482EF-B6FC-4658-8B02-DB85ED4B69F0}" dt="2021-05-24T17:59:21.429" v="428" actId="1036"/>
+          <ac:spMkLst>
+            <pc:docMk/>
+            <pc:sldMk cId="645588530" sldId="259"/>
+            <ac:spMk id="29" creationId="{94635FB7-08A4-4286-AD9A-FAEE68AD8990}"/>
+          </ac:spMkLst>
+        </pc:spChg>
+        <pc:spChg chg="mod">
+          <ac:chgData name="Patrick Bigge" userId="d8481a07a56f1e5f" providerId="LiveId" clId="{FC9482EF-B6FC-4658-8B02-DB85ED4B69F0}" dt="2021-05-24T17:59:21.429" v="428" actId="1036"/>
+          <ac:spMkLst>
+            <pc:docMk/>
+            <pc:sldMk cId="645588530" sldId="259"/>
+            <ac:spMk id="39" creationId="{A4D44283-0566-4469-A442-D14970A0680D}"/>
+          </ac:spMkLst>
+        </pc:spChg>
+        <pc:spChg chg="mod">
+          <ac:chgData name="Patrick Bigge" userId="d8481a07a56f1e5f" providerId="LiveId" clId="{FC9482EF-B6FC-4658-8B02-DB85ED4B69F0}" dt="2021-05-24T17:59:21.429" v="428" actId="1036"/>
+          <ac:spMkLst>
+            <pc:docMk/>
+            <pc:sldMk cId="645588530" sldId="259"/>
+            <ac:spMk id="40" creationId="{0C9B32B1-B375-4A12-8936-13A0CFA758EE}"/>
+          </ac:spMkLst>
+        </pc:spChg>
+        <pc:spChg chg="mod">
+          <ac:chgData name="Patrick Bigge" userId="d8481a07a56f1e5f" providerId="LiveId" clId="{FC9482EF-B6FC-4658-8B02-DB85ED4B69F0}" dt="2021-05-24T17:59:21.429" v="428" actId="1036"/>
+          <ac:spMkLst>
+            <pc:docMk/>
+            <pc:sldMk cId="645588530" sldId="259"/>
+            <ac:spMk id="50" creationId="{28153015-FD23-4A52-93C8-1A4C673753C8}"/>
+          </ac:spMkLst>
+        </pc:spChg>
+        <pc:spChg chg="mod">
+          <ac:chgData name="Patrick Bigge" userId="d8481a07a56f1e5f" providerId="LiveId" clId="{FC9482EF-B6FC-4658-8B02-DB85ED4B69F0}" dt="2021-05-24T17:59:21.429" v="428" actId="1036"/>
+          <ac:spMkLst>
+            <pc:docMk/>
+            <pc:sldMk cId="645588530" sldId="259"/>
+            <ac:spMk id="51" creationId="{B16C8D1D-A4F8-47FF-BED9-F4C33BC4E53F}"/>
+          </ac:spMkLst>
+        </pc:spChg>
+        <pc:spChg chg="mod">
+          <ac:chgData name="Patrick Bigge" userId="d8481a07a56f1e5f" providerId="LiveId" clId="{FC9482EF-B6FC-4658-8B02-DB85ED4B69F0}" dt="2021-05-24T17:59:21.429" v="428" actId="1036"/>
+          <ac:spMkLst>
+            <pc:docMk/>
+            <pc:sldMk cId="645588530" sldId="259"/>
+            <ac:spMk id="52" creationId="{7800D1F7-9FC7-46C7-AB44-9C92801F58EB}"/>
+          </ac:spMkLst>
+        </pc:spChg>
+        <pc:spChg chg="mod">
+          <ac:chgData name="Patrick Bigge" userId="d8481a07a56f1e5f" providerId="LiveId" clId="{FC9482EF-B6FC-4658-8B02-DB85ED4B69F0}" dt="2021-05-23T13:57:43.794" v="310" actId="1038"/>
+          <ac:spMkLst>
+            <pc:docMk/>
+            <pc:sldMk cId="645588530" sldId="259"/>
+            <ac:spMk id="60" creationId="{866AE92A-1D5E-4F8F-99D1-EB1F116AEA0B}"/>
+          </ac:spMkLst>
+        </pc:spChg>
+        <pc:spChg chg="mod">
+          <ac:chgData name="Patrick Bigge" userId="d8481a07a56f1e5f" providerId="LiveId" clId="{FC9482EF-B6FC-4658-8B02-DB85ED4B69F0}" dt="2021-05-23T13:57:43.794" v="310" actId="1038"/>
+          <ac:spMkLst>
+            <pc:docMk/>
+            <pc:sldMk cId="645588530" sldId="259"/>
+            <ac:spMk id="61" creationId="{AA58F66A-DC10-475F-9867-D4EA1F3E1D5E}"/>
+          </ac:spMkLst>
+        </pc:spChg>
+        <pc:spChg chg="mod">
+          <ac:chgData name="Patrick Bigge" userId="d8481a07a56f1e5f" providerId="LiveId" clId="{FC9482EF-B6FC-4658-8B02-DB85ED4B69F0}" dt="2021-05-24T17:59:21.429" v="428" actId="1036"/>
+          <ac:spMkLst>
+            <pc:docMk/>
+            <pc:sldMk cId="645588530" sldId="259"/>
+            <ac:spMk id="64" creationId="{CFC3C21E-7BF4-4EAB-B3F3-C2115842ACE0}"/>
+          </ac:spMkLst>
+        </pc:spChg>
         <pc:spChg chg="add mod">
-          <ac:chgData name="Patrick Bigge" userId="d8481a07a56f1e5f" providerId="LiveId" clId="{FC9482EF-B6FC-4658-8B02-DB85ED4B69F0}" dt="2021-05-21T14:01:47.607" v="256" actId="20577"/>
+          <ac:chgData name="Patrick Bigge" userId="d8481a07a56f1e5f" providerId="LiveId" clId="{FC9482EF-B6FC-4658-8B02-DB85ED4B69F0}" dt="2021-05-23T13:57:43.794" v="310" actId="1038"/>
           <ac:spMkLst>
             <pc:docMk/>
             <pc:sldMk cId="645588530" sldId="259"/>
@@ -170,7 +354,7 @@
           </ac:spMkLst>
         </pc:spChg>
         <pc:spChg chg="add mod">
-          <ac:chgData name="Patrick Bigge" userId="d8481a07a56f1e5f" providerId="LiveId" clId="{FC9482EF-B6FC-4658-8B02-DB85ED4B69F0}" dt="2021-05-21T14:43:10.400" v="270" actId="1076"/>
+          <ac:chgData name="Patrick Bigge" userId="d8481a07a56f1e5f" providerId="LiveId" clId="{FC9482EF-B6FC-4658-8B02-DB85ED4B69F0}" dt="2021-05-24T17:59:21.429" v="428" actId="1036"/>
           <ac:spMkLst>
             <pc:docMk/>
             <pc:sldMk cId="645588530" sldId="259"/>
@@ -178,28 +362,132 @@
           </ac:spMkLst>
         </pc:spChg>
         <pc:spChg chg="add mod">
-          <ac:chgData name="Patrick Bigge" userId="d8481a07a56f1e5f" providerId="LiveId" clId="{FC9482EF-B6FC-4658-8B02-DB85ED4B69F0}" dt="2021-05-21T14:43:19.041" v="272" actId="1076"/>
+          <ac:chgData name="Patrick Bigge" userId="d8481a07a56f1e5f" providerId="LiveId" clId="{FC9482EF-B6FC-4658-8B02-DB85ED4B69F0}" dt="2021-05-24T17:59:21.429" v="428" actId="1036"/>
           <ac:spMkLst>
             <pc:docMk/>
             <pc:sldMk cId="645588530" sldId="259"/>
             <ac:spMk id="70" creationId="{B73B429B-9716-49A9-91E4-71E1467CC625}"/>
           </ac:spMkLst>
         </pc:spChg>
+        <pc:grpChg chg="mod">
+          <ac:chgData name="Patrick Bigge" userId="d8481a07a56f1e5f" providerId="LiveId" clId="{FC9482EF-B6FC-4658-8B02-DB85ED4B69F0}" dt="2021-05-24T17:59:21.429" v="428" actId="1036"/>
+          <ac:grpSpMkLst>
+            <pc:docMk/>
+            <pc:sldMk cId="645588530" sldId="259"/>
+            <ac:grpSpMk id="19" creationId="{723DC7C3-148F-4EB1-8BBA-6B5148836227}"/>
+          </ac:grpSpMkLst>
+        </pc:grpChg>
+        <pc:grpChg chg="mod">
+          <ac:chgData name="Patrick Bigge" userId="d8481a07a56f1e5f" providerId="LiveId" clId="{FC9482EF-B6FC-4658-8B02-DB85ED4B69F0}" dt="2021-05-24T17:59:21.429" v="428" actId="1036"/>
+          <ac:grpSpMkLst>
+            <pc:docMk/>
+            <pc:sldMk cId="645588530" sldId="259"/>
+            <ac:grpSpMk id="22" creationId="{EAFEB785-31CD-4455-BB7B-1C9935C9AD25}"/>
+          </ac:grpSpMkLst>
+        </pc:grpChg>
+        <pc:grpChg chg="mod">
+          <ac:chgData name="Patrick Bigge" userId="d8481a07a56f1e5f" providerId="LiveId" clId="{FC9482EF-B6FC-4658-8B02-DB85ED4B69F0}" dt="2021-05-24T17:59:21.429" v="428" actId="1036"/>
+          <ac:grpSpMkLst>
+            <pc:docMk/>
+            <pc:sldMk cId="645588530" sldId="259"/>
+            <ac:grpSpMk id="25" creationId="{7D9A9781-926A-451B-B801-03772E3A978B}"/>
+          </ac:grpSpMkLst>
+        </pc:grpChg>
+        <pc:grpChg chg="mod">
+          <ac:chgData name="Patrick Bigge" userId="d8481a07a56f1e5f" providerId="LiveId" clId="{FC9482EF-B6FC-4658-8B02-DB85ED4B69F0}" dt="2021-05-24T17:59:21.429" v="428" actId="1036"/>
+          <ac:grpSpMkLst>
+            <pc:docMk/>
+            <pc:sldMk cId="645588530" sldId="259"/>
+            <ac:grpSpMk id="30" creationId="{09C3B85B-FDD4-4D08-94BD-FA1D97B06855}"/>
+          </ac:grpSpMkLst>
+        </pc:grpChg>
+        <pc:grpChg chg="mod">
+          <ac:chgData name="Patrick Bigge" userId="d8481a07a56f1e5f" providerId="LiveId" clId="{FC9482EF-B6FC-4658-8B02-DB85ED4B69F0}" dt="2021-05-24T17:59:21.429" v="428" actId="1036"/>
+          <ac:grpSpMkLst>
+            <pc:docMk/>
+            <pc:sldMk cId="645588530" sldId="259"/>
+            <ac:grpSpMk id="33" creationId="{96E4375F-5807-433B-8176-363107CBC4F6}"/>
+          </ac:grpSpMkLst>
+        </pc:grpChg>
+        <pc:grpChg chg="mod">
+          <ac:chgData name="Patrick Bigge" userId="d8481a07a56f1e5f" providerId="LiveId" clId="{FC9482EF-B6FC-4658-8B02-DB85ED4B69F0}" dt="2021-05-24T17:59:21.429" v="428" actId="1036"/>
+          <ac:grpSpMkLst>
+            <pc:docMk/>
+            <pc:sldMk cId="645588530" sldId="259"/>
+            <ac:grpSpMk id="36" creationId="{937CFEC0-A5AC-4E70-AB19-3C0C0C54E9DA}"/>
+          </ac:grpSpMkLst>
+        </pc:grpChg>
+        <pc:grpChg chg="mod">
+          <ac:chgData name="Patrick Bigge" userId="d8481a07a56f1e5f" providerId="LiveId" clId="{FC9482EF-B6FC-4658-8B02-DB85ED4B69F0}" dt="2021-05-24T17:59:21.429" v="428" actId="1036"/>
+          <ac:grpSpMkLst>
+            <pc:docMk/>
+            <pc:sldMk cId="645588530" sldId="259"/>
+            <ac:grpSpMk id="41" creationId="{9CD2493D-B387-4634-969A-B1E21A029E1E}"/>
+          </ac:grpSpMkLst>
+        </pc:grpChg>
+        <pc:grpChg chg="mod">
+          <ac:chgData name="Patrick Bigge" userId="d8481a07a56f1e5f" providerId="LiveId" clId="{FC9482EF-B6FC-4658-8B02-DB85ED4B69F0}" dt="2021-05-24T17:59:21.429" v="428" actId="1036"/>
+          <ac:grpSpMkLst>
+            <pc:docMk/>
+            <pc:sldMk cId="645588530" sldId="259"/>
+            <ac:grpSpMk id="44" creationId="{6DBF2E74-E2F2-4CA5-9883-17A90951D12E}"/>
+          </ac:grpSpMkLst>
+        </pc:grpChg>
+        <pc:grpChg chg="mod">
+          <ac:chgData name="Patrick Bigge" userId="d8481a07a56f1e5f" providerId="LiveId" clId="{FC9482EF-B6FC-4658-8B02-DB85ED4B69F0}" dt="2021-05-24T17:59:21.429" v="428" actId="1036"/>
+          <ac:grpSpMkLst>
+            <pc:docMk/>
+            <pc:sldMk cId="645588530" sldId="259"/>
+            <ac:grpSpMk id="47" creationId="{DB78DE76-0D1D-471E-8FAA-6B2197D853DA}"/>
+          </ac:grpSpMkLst>
+        </pc:grpChg>
+        <pc:grpChg chg="mod">
+          <ac:chgData name="Patrick Bigge" userId="d8481a07a56f1e5f" providerId="LiveId" clId="{FC9482EF-B6FC-4658-8B02-DB85ED4B69F0}" dt="2021-05-23T13:57:43.794" v="310" actId="1038"/>
+          <ac:grpSpMkLst>
+            <pc:docMk/>
+            <pc:sldMk cId="645588530" sldId="259"/>
+            <ac:grpSpMk id="53" creationId="{9A92AC40-2F73-4B51-BBC5-A932BA35E584}"/>
+          </ac:grpSpMkLst>
+        </pc:grpChg>
         <pc:cxnChg chg="mod">
-          <ac:chgData name="Patrick Bigge" userId="d8481a07a56f1e5f" providerId="LiveId" clId="{FC9482EF-B6FC-4658-8B02-DB85ED4B69F0}" dt="2021-05-21T14:00:18.192" v="218" actId="1036"/>
+          <ac:chgData name="Patrick Bigge" userId="d8481a07a56f1e5f" providerId="LiveId" clId="{FC9482EF-B6FC-4658-8B02-DB85ED4B69F0}" dt="2021-05-23T13:57:43.794" v="310" actId="1038"/>
           <ac:cxnSpMkLst>
             <pc:docMk/>
             <pc:sldMk cId="645588530" sldId="259"/>
             <ac:cxnSpMk id="17" creationId="{A6DC84F6-C6AE-4ED1-8ABF-504C81BEFC7E}"/>
           </ac:cxnSpMkLst>
         </pc:cxnChg>
+        <pc:cxnChg chg="mod">
+          <ac:chgData name="Patrick Bigge" userId="d8481a07a56f1e5f" providerId="LiveId" clId="{FC9482EF-B6FC-4658-8B02-DB85ED4B69F0}" dt="2021-05-23T13:57:43.794" v="310" actId="1038"/>
+          <ac:cxnSpMkLst>
+            <pc:docMk/>
+            <pc:sldMk cId="645588530" sldId="259"/>
+            <ac:cxnSpMk id="63" creationId="{FCD3B63C-225E-4C41-AB53-D53BB7C39CC7}"/>
+          </ac:cxnSpMkLst>
+        </pc:cxnChg>
       </pc:sldChg>
       <pc:sldChg chg="addSp delSp modSp mod">
-        <pc:chgData name="Patrick Bigge" userId="d8481a07a56f1e5f" providerId="LiveId" clId="{FC9482EF-B6FC-4658-8B02-DB85ED4B69F0}" dt="2021-05-21T14:01:41.774" v="254" actId="20577"/>
+        <pc:chgData name="Patrick Bigge" userId="d8481a07a56f1e5f" providerId="LiveId" clId="{FC9482EF-B6FC-4658-8B02-DB85ED4B69F0}" dt="2021-05-23T13:57:43.586" v="309" actId="478"/>
         <pc:sldMkLst>
           <pc:docMk/>
           <pc:sldMk cId="2685011513" sldId="260"/>
         </pc:sldMkLst>
+        <pc:spChg chg="add del">
+          <ac:chgData name="Patrick Bigge" userId="d8481a07a56f1e5f" providerId="LiveId" clId="{FC9482EF-B6FC-4658-8B02-DB85ED4B69F0}" dt="2021-05-23T13:57:43.586" v="309" actId="478"/>
+          <ac:spMkLst>
+            <pc:docMk/>
+            <pc:sldMk cId="2685011513" sldId="260"/>
+            <ac:spMk id="2" creationId="{0C59BAA6-5192-405F-B9CC-EA10894CE06D}"/>
+          </ac:spMkLst>
+        </pc:spChg>
+        <pc:spChg chg="add del mod">
+          <ac:chgData name="Patrick Bigge" userId="d8481a07a56f1e5f" providerId="LiveId" clId="{FC9482EF-B6FC-4658-8B02-DB85ED4B69F0}" dt="2021-05-23T13:57:43.586" v="309" actId="478"/>
+          <ac:spMkLst>
+            <pc:docMk/>
+            <pc:sldMk cId="2685011513" sldId="260"/>
+            <ac:spMk id="5" creationId="{94ED79CB-6FFC-464D-934D-6314BE2E4A44}"/>
+          </ac:spMkLst>
+        </pc:spChg>
         <pc:spChg chg="mod">
           <ac:chgData name="Patrick Bigge" userId="d8481a07a56f1e5f" providerId="LiveId" clId="{FC9482EF-B6FC-4658-8B02-DB85ED4B69F0}" dt="2021-05-21T13:55:13.655" v="43" actId="114"/>
           <ac:spMkLst>
@@ -433,7 +721,7 @@
           <a:p>
             <a:fld id="{5483CEF8-9ECA-4BFA-8C7F-BE638FC1BACD}" type="datetimeFigureOut">
               <a:rPr lang="en-US" smtClean="0"/>
-              <a:t>5/21/2021</a:t>
+              <a:t>5/24/2021</a:t>
             </a:fld>
             <a:endParaRPr lang="en-US"/>
           </a:p>
@@ -631,7 +919,7 @@
           <a:p>
             <a:fld id="{5483CEF8-9ECA-4BFA-8C7F-BE638FC1BACD}" type="datetimeFigureOut">
               <a:rPr lang="en-US" smtClean="0"/>
-              <a:t>5/21/2021</a:t>
+              <a:t>5/24/2021</a:t>
             </a:fld>
             <a:endParaRPr lang="en-US"/>
           </a:p>
@@ -839,7 +1127,7 @@
           <a:p>
             <a:fld id="{5483CEF8-9ECA-4BFA-8C7F-BE638FC1BACD}" type="datetimeFigureOut">
               <a:rPr lang="en-US" smtClean="0"/>
-              <a:t>5/21/2021</a:t>
+              <a:t>5/24/2021</a:t>
             </a:fld>
             <a:endParaRPr lang="en-US"/>
           </a:p>
@@ -1037,7 +1325,7 @@
           <a:p>
             <a:fld id="{5483CEF8-9ECA-4BFA-8C7F-BE638FC1BACD}" type="datetimeFigureOut">
               <a:rPr lang="en-US" smtClean="0"/>
-              <a:t>5/21/2021</a:t>
+              <a:t>5/24/2021</a:t>
             </a:fld>
             <a:endParaRPr lang="en-US"/>
           </a:p>
@@ -1312,7 +1600,7 @@
           <a:p>
             <a:fld id="{5483CEF8-9ECA-4BFA-8C7F-BE638FC1BACD}" type="datetimeFigureOut">
               <a:rPr lang="en-US" smtClean="0"/>
-              <a:t>5/21/2021</a:t>
+              <a:t>5/24/2021</a:t>
             </a:fld>
             <a:endParaRPr lang="en-US"/>
           </a:p>
@@ -1577,7 +1865,7 @@
           <a:p>
             <a:fld id="{5483CEF8-9ECA-4BFA-8C7F-BE638FC1BACD}" type="datetimeFigureOut">
               <a:rPr lang="en-US" smtClean="0"/>
-              <a:t>5/21/2021</a:t>
+              <a:t>5/24/2021</a:t>
             </a:fld>
             <a:endParaRPr lang="en-US"/>
           </a:p>
@@ -1989,7 +2277,7 @@
           <a:p>
             <a:fld id="{5483CEF8-9ECA-4BFA-8C7F-BE638FC1BACD}" type="datetimeFigureOut">
               <a:rPr lang="en-US" smtClean="0"/>
-              <a:t>5/21/2021</a:t>
+              <a:t>5/24/2021</a:t>
             </a:fld>
             <a:endParaRPr lang="en-US"/>
           </a:p>
@@ -2130,7 +2418,7 @@
           <a:p>
             <a:fld id="{5483CEF8-9ECA-4BFA-8C7F-BE638FC1BACD}" type="datetimeFigureOut">
               <a:rPr lang="en-US" smtClean="0"/>
-              <a:t>5/21/2021</a:t>
+              <a:t>5/24/2021</a:t>
             </a:fld>
             <a:endParaRPr lang="en-US"/>
           </a:p>
@@ -2243,7 +2531,7 @@
           <a:p>
             <a:fld id="{5483CEF8-9ECA-4BFA-8C7F-BE638FC1BACD}" type="datetimeFigureOut">
               <a:rPr lang="en-US" smtClean="0"/>
-              <a:t>5/21/2021</a:t>
+              <a:t>5/24/2021</a:t>
             </a:fld>
             <a:endParaRPr lang="en-US"/>
           </a:p>
@@ -2554,7 +2842,7 @@
           <a:p>
             <a:fld id="{5483CEF8-9ECA-4BFA-8C7F-BE638FC1BACD}" type="datetimeFigureOut">
               <a:rPr lang="en-US" smtClean="0"/>
-              <a:t>5/21/2021</a:t>
+              <a:t>5/24/2021</a:t>
             </a:fld>
             <a:endParaRPr lang="en-US"/>
           </a:p>
@@ -2842,7 +3130,7 @@
           <a:p>
             <a:fld id="{5483CEF8-9ECA-4BFA-8C7F-BE638FC1BACD}" type="datetimeFigureOut">
               <a:rPr lang="en-US" smtClean="0"/>
-              <a:t>5/21/2021</a:t>
+              <a:t>5/24/2021</a:t>
             </a:fld>
             <a:endParaRPr lang="en-US"/>
           </a:p>
@@ -3083,7 +3371,7 @@
           <a:p>
             <a:fld id="{5483CEF8-9ECA-4BFA-8C7F-BE638FC1BACD}" type="datetimeFigureOut">
               <a:rPr lang="en-US" smtClean="0"/>
-              <a:t>5/21/2021</a:t>
+              <a:t>5/24/2021</a:t>
             </a:fld>
             <a:endParaRPr lang="en-US"/>
           </a:p>
@@ -3988,7 +4276,7 @@
         </p:nvSpPr>
         <p:spPr>
           <a:xfrm>
-            <a:off x="5738070" y="606105"/>
+            <a:off x="7176781" y="606105"/>
             <a:ext cx="1249960" cy="302004"/>
           </a:xfrm>
           <a:prstGeom prst="rect">
@@ -4042,10 +4330,10 @@
       </p:sp>
       <p:sp>
         <p:nvSpPr>
-          <p:cNvPr id="23" name="Rectangle 22">
-            <a:extLst>
-              <a:ext uri="{FF2B5EF4-FFF2-40B4-BE49-F238E27FC236}">
-                <a16:creationId xmlns:a16="http://schemas.microsoft.com/office/drawing/2014/main" id="{523AE0A8-0158-47A0-98C7-1D94757420D9}"/>
+          <p:cNvPr id="24" name="Rectangle 23">
+            <a:extLst>
+              <a:ext uri="{FF2B5EF4-FFF2-40B4-BE49-F238E27FC236}">
+                <a16:creationId xmlns:a16="http://schemas.microsoft.com/office/drawing/2014/main" id="{8C6CC029-7837-4EAE-80D2-CE05272F4977}"/>
               </a:ext>
             </a:extLst>
           </p:cNvPr>
@@ -4054,8 +4342,8 @@
         </p:nvSpPr>
         <p:spPr>
           <a:xfrm>
-            <a:off x="7176781" y="606105"/>
-            <a:ext cx="1249960" cy="302004"/>
+            <a:off x="8426741" y="606105"/>
+            <a:ext cx="1440809" cy="302004"/>
           </a:xfrm>
           <a:prstGeom prst="rect">
             <a:avLst/>
@@ -4096,7 +4384,7 @@
                   <a:schemeClr val="tx1"/>
                 </a:solidFill>
               </a:rPr>
-              <a:t>H-Name</a:t>
+              <a:t>Highscore-H</a:t>
             </a:r>
             <a:endParaRPr lang="en-US" b="1" i="1" dirty="0">
               <a:solidFill>
@@ -4108,10 +4396,10 @@
       </p:sp>
       <p:sp>
         <p:nvSpPr>
-          <p:cNvPr id="24" name="Rectangle 23">
-            <a:extLst>
-              <a:ext uri="{FF2B5EF4-FFF2-40B4-BE49-F238E27FC236}">
-                <a16:creationId xmlns:a16="http://schemas.microsoft.com/office/drawing/2014/main" id="{8C6CC029-7837-4EAE-80D2-CE05272F4977}"/>
+          <p:cNvPr id="25" name="Rectangle 24">
+            <a:extLst>
+              <a:ext uri="{FF2B5EF4-FFF2-40B4-BE49-F238E27FC236}">
+                <a16:creationId xmlns:a16="http://schemas.microsoft.com/office/drawing/2014/main" id="{2BB032A1-2C82-4249-A415-FA86289CD180}"/>
               </a:ext>
             </a:extLst>
           </p:cNvPr>
@@ -4120,8 +4408,8 @@
         </p:nvSpPr>
         <p:spPr>
           <a:xfrm>
-            <a:off x="8617590" y="606105"/>
-            <a:ext cx="1249960" cy="302004"/>
+            <a:off x="5738070" y="1155584"/>
+            <a:ext cx="4129480" cy="4546831"/>
           </a:xfrm>
           <a:prstGeom prst="rect">
             <a:avLst/>
@@ -4156,15 +4444,7 @@
           <a:lstStyle/>
           <a:p>
             <a:pPr algn="ctr"/>
-            <a:r>
-              <a:rPr lang="de-DE" b="1" i="1" dirty="0">
-                <a:solidFill>
-                  <a:schemeClr val="tx1"/>
-                </a:solidFill>
-              </a:rPr>
-              <a:t>Highscore</a:t>
-            </a:r>
-            <a:endParaRPr lang="en-US" b="1" i="1" dirty="0">
+            <a:endParaRPr lang="en-US" dirty="0">
               <a:solidFill>
                 <a:schemeClr val="tx1"/>
               </a:solidFill>
@@ -4174,10 +4454,10 @@
       </p:sp>
       <p:sp>
         <p:nvSpPr>
-          <p:cNvPr id="25" name="Rectangle 24">
-            <a:extLst>
-              <a:ext uri="{FF2B5EF4-FFF2-40B4-BE49-F238E27FC236}">
-                <a16:creationId xmlns:a16="http://schemas.microsoft.com/office/drawing/2014/main" id="{2BB032A1-2C82-4249-A415-FA86289CD180}"/>
+          <p:cNvPr id="28" name="Rectangle 27">
+            <a:extLst>
+              <a:ext uri="{FF2B5EF4-FFF2-40B4-BE49-F238E27FC236}">
+                <a16:creationId xmlns:a16="http://schemas.microsoft.com/office/drawing/2014/main" id="{A4AE46BD-A9B8-45F0-B6D5-1F028AC840CE}"/>
               </a:ext>
             </a:extLst>
           </p:cNvPr>
@@ -4186,8 +4466,8 @@
         </p:nvSpPr>
         <p:spPr>
           <a:xfrm>
-            <a:off x="5738070" y="1155584"/>
-            <a:ext cx="4129480" cy="4546831"/>
+            <a:off x="7176781" y="1876511"/>
+            <a:ext cx="1249960" cy="1086373"/>
           </a:xfrm>
           <a:prstGeom prst="rect">
             <a:avLst/>
@@ -4222,6 +4502,30 @@
           <a:lstStyle/>
           <a:p>
             <a:pPr algn="ctr"/>
+            <a:r>
+              <a:rPr lang="de-DE" dirty="0" err="1">
+                <a:solidFill>
+                  <a:schemeClr val="tx1"/>
+                </a:solidFill>
+              </a:rPr>
+              <a:t>Invading</a:t>
+            </a:r>
+            <a:endParaRPr lang="de-DE" dirty="0">
+              <a:solidFill>
+                <a:schemeClr val="tx1"/>
+              </a:solidFill>
+            </a:endParaRPr>
+          </a:p>
+          <a:p>
+            <a:pPr algn="ctr"/>
+            <a:r>
+              <a:rPr lang="de-DE" dirty="0">
+                <a:solidFill>
+                  <a:schemeClr val="tx1"/>
+                </a:solidFill>
+              </a:rPr>
+              <a:t>Space</a:t>
+            </a:r>
             <a:endParaRPr lang="en-US" dirty="0">
               <a:solidFill>
                 <a:schemeClr val="tx1"/>
@@ -4232,10 +4536,10 @@
       </p:sp>
       <p:sp>
         <p:nvSpPr>
-          <p:cNvPr id="28" name="Rectangle 27">
-            <a:extLst>
-              <a:ext uri="{FF2B5EF4-FFF2-40B4-BE49-F238E27FC236}">
-                <a16:creationId xmlns:a16="http://schemas.microsoft.com/office/drawing/2014/main" id="{A4AE46BD-A9B8-45F0-B6D5-1F028AC840CE}"/>
+          <p:cNvPr id="29" name="Rectangle 28">
+            <a:extLst>
+              <a:ext uri="{FF2B5EF4-FFF2-40B4-BE49-F238E27FC236}">
+                <a16:creationId xmlns:a16="http://schemas.microsoft.com/office/drawing/2014/main" id="{D3E7F48D-27B9-482E-81AF-0F53FE11F567}"/>
               </a:ext>
             </a:extLst>
           </p:cNvPr>
@@ -4243,9 +4547,9 @@
           <p:nvPr/>
         </p:nvSpPr>
         <p:spPr>
-          <a:xfrm>
-            <a:off x="7176781" y="1876511"/>
-            <a:ext cx="1249960" cy="1086373"/>
+          <a:xfrm rot="2230452">
+            <a:off x="8613263" y="2229555"/>
+            <a:ext cx="1018598" cy="590980"/>
           </a:xfrm>
           <a:prstGeom prst="rect">
             <a:avLst/>
@@ -4281,43 +4585,27 @@
           <a:p>
             <a:pPr algn="ctr"/>
             <a:r>
-              <a:rPr lang="de-DE" dirty="0" err="1">
+              <a:rPr lang="de-DE" u="sng" dirty="0">
                 <a:solidFill>
                   <a:schemeClr val="tx1"/>
                 </a:solidFill>
               </a:rPr>
-              <a:t>Invading</a:t>
-            </a:r>
-            <a:endParaRPr lang="de-DE" dirty="0">
+              <a:t>Monster</a:t>
+            </a:r>
+            <a:endParaRPr lang="en-US" u="sng" dirty="0">
               <a:solidFill>
                 <a:schemeClr val="tx1"/>
               </a:solidFill>
             </a:endParaRPr>
           </a:p>
-          <a:p>
-            <a:pPr algn="ctr"/>
-            <a:r>
-              <a:rPr lang="de-DE" dirty="0">
-                <a:solidFill>
-                  <a:schemeClr val="tx1"/>
-                </a:solidFill>
-              </a:rPr>
-              <a:t>Space</a:t>
-            </a:r>
-            <a:endParaRPr lang="en-US" dirty="0">
-              <a:solidFill>
-                <a:schemeClr val="tx1"/>
-              </a:solidFill>
-            </a:endParaRPr>
-          </a:p>
-        </p:txBody>
-      </p:sp>
-      <p:sp>
-        <p:nvSpPr>
-          <p:cNvPr id="29" name="Rectangle 28">
-            <a:extLst>
-              <a:ext uri="{FF2B5EF4-FFF2-40B4-BE49-F238E27FC236}">
-                <a16:creationId xmlns:a16="http://schemas.microsoft.com/office/drawing/2014/main" id="{D3E7F48D-27B9-482E-81AF-0F53FE11F567}"/>
+        </p:txBody>
+      </p:sp>
+      <p:sp>
+        <p:nvSpPr>
+          <p:cNvPr id="31" name="Rectangle 30">
+            <a:extLst>
+              <a:ext uri="{FF2B5EF4-FFF2-40B4-BE49-F238E27FC236}">
+                <a16:creationId xmlns:a16="http://schemas.microsoft.com/office/drawing/2014/main" id="{056D1995-A08F-42EC-AB1D-280EBD4B945C}"/>
               </a:ext>
             </a:extLst>
           </p:cNvPr>
@@ -4325,8 +4613,8 @@
           <p:nvPr/>
         </p:nvSpPr>
         <p:spPr>
-          <a:xfrm rot="2230452">
-            <a:off x="8613263" y="2229555"/>
+          <a:xfrm rot="19380000">
+            <a:off x="5922278" y="2236554"/>
             <a:ext cx="1018598" cy="590980"/>
           </a:xfrm>
           <a:prstGeom prst="rect">
@@ -4368,7 +4656,7 @@
                   <a:schemeClr val="tx1"/>
                 </a:solidFill>
               </a:rPr>
-              <a:t>Monster</a:t>
+              <a:t>Schiff</a:t>
             </a:r>
             <a:endParaRPr lang="en-US" u="sng" dirty="0">
               <a:solidFill>
@@ -4380,10 +4668,10 @@
       </p:sp>
       <p:sp>
         <p:nvSpPr>
-          <p:cNvPr id="31" name="Rectangle 30">
-            <a:extLst>
-              <a:ext uri="{FF2B5EF4-FFF2-40B4-BE49-F238E27FC236}">
-                <a16:creationId xmlns:a16="http://schemas.microsoft.com/office/drawing/2014/main" id="{056D1995-A08F-42EC-AB1D-280EBD4B945C}"/>
+          <p:cNvPr id="34" name="Rectangle 33">
+            <a:extLst>
+              <a:ext uri="{FF2B5EF4-FFF2-40B4-BE49-F238E27FC236}">
+                <a16:creationId xmlns:a16="http://schemas.microsoft.com/office/drawing/2014/main" id="{3C6F8C44-67A2-4765-8287-B9DEA36FB71D}"/>
               </a:ext>
             </a:extLst>
           </p:cNvPr>
@@ -4391,9 +4679,9 @@
           <p:nvPr/>
         </p:nvSpPr>
         <p:spPr>
-          <a:xfrm rot="19380000">
-            <a:off x="5922278" y="2236554"/>
-            <a:ext cx="1018598" cy="590980"/>
+          <a:xfrm>
+            <a:off x="7176781" y="3333405"/>
+            <a:ext cx="1249960" cy="302004"/>
           </a:xfrm>
           <a:prstGeom prst="rect">
             <a:avLst/>
@@ -4429,14 +4717,14 @@
           <a:p>
             <a:pPr algn="ctr"/>
             <a:r>
-              <a:rPr lang="de-DE" u="sng" dirty="0">
+              <a:rPr lang="de-DE" b="1" i="1" dirty="0">
                 <a:solidFill>
                   <a:schemeClr val="tx1"/>
                 </a:solidFill>
               </a:rPr>
-              <a:t>Schiff</a:t>
-            </a:r>
-            <a:endParaRPr lang="en-US" u="sng" dirty="0">
+              <a:t>S-Name</a:t>
+            </a:r>
+            <a:endParaRPr lang="en-US" b="1" i="1" dirty="0">
               <a:solidFill>
                 <a:schemeClr val="tx1"/>
               </a:solidFill>
@@ -4446,10 +4734,10 @@
       </p:sp>
       <p:sp>
         <p:nvSpPr>
-          <p:cNvPr id="34" name="Rectangle 33">
-            <a:extLst>
-              <a:ext uri="{FF2B5EF4-FFF2-40B4-BE49-F238E27FC236}">
-                <a16:creationId xmlns:a16="http://schemas.microsoft.com/office/drawing/2014/main" id="{3C6F8C44-67A2-4765-8287-B9DEA36FB71D}"/>
+          <p:cNvPr id="35" name="Rectangle 34">
+            <a:extLst>
+              <a:ext uri="{FF2B5EF4-FFF2-40B4-BE49-F238E27FC236}">
+                <a16:creationId xmlns:a16="http://schemas.microsoft.com/office/drawing/2014/main" id="{6DF1159A-598B-46C5-A392-4EB3E4A04B31}"/>
               </a:ext>
             </a:extLst>
           </p:cNvPr>
@@ -4458,7 +4746,7 @@
         </p:nvSpPr>
         <p:spPr>
           <a:xfrm>
-            <a:off x="7176781" y="3333405"/>
+            <a:off x="7176781" y="3820422"/>
             <a:ext cx="1249960" cy="302004"/>
           </a:xfrm>
           <a:prstGeom prst="rect">
@@ -4495,14 +4783,14 @@
           <a:p>
             <a:pPr algn="ctr"/>
             <a:r>
-              <a:rPr lang="de-DE" b="1" i="1" dirty="0">
+              <a:rPr lang="de-DE" dirty="0">
                 <a:solidFill>
                   <a:schemeClr val="tx1"/>
                 </a:solidFill>
               </a:rPr>
-              <a:t>S-Name</a:t>
-            </a:r>
-            <a:endParaRPr lang="en-US" b="1" i="1" dirty="0">
+              <a:t>Popup</a:t>
+            </a:r>
+            <a:endParaRPr lang="en-US" dirty="0">
               <a:solidFill>
                 <a:schemeClr val="tx1"/>
               </a:solidFill>
@@ -4512,10 +4800,10 @@
       </p:sp>
       <p:sp>
         <p:nvSpPr>
-          <p:cNvPr id="35" name="Rectangle 34">
-            <a:extLst>
-              <a:ext uri="{FF2B5EF4-FFF2-40B4-BE49-F238E27FC236}">
-                <a16:creationId xmlns:a16="http://schemas.microsoft.com/office/drawing/2014/main" id="{6DF1159A-598B-46C5-A392-4EB3E4A04B31}"/>
+          <p:cNvPr id="36" name="Rectangle 35">
+            <a:extLst>
+              <a:ext uri="{FF2B5EF4-FFF2-40B4-BE49-F238E27FC236}">
+                <a16:creationId xmlns:a16="http://schemas.microsoft.com/office/drawing/2014/main" id="{9532F4A9-7B2A-43CD-A4D4-392B3B866400}"/>
               </a:ext>
             </a:extLst>
           </p:cNvPr>
@@ -4524,7 +4812,7 @@
         </p:nvSpPr>
         <p:spPr>
           <a:xfrm>
-            <a:off x="7176781" y="3820422"/>
+            <a:off x="6363050" y="4573952"/>
             <a:ext cx="1249960" cy="302004"/>
           </a:xfrm>
           <a:prstGeom prst="rect">
@@ -4566,7 +4854,7 @@
                   <a:schemeClr val="tx1"/>
                 </a:solidFill>
               </a:rPr>
-              <a:t>Popup</a:t>
+              <a:t>Normal</a:t>
             </a:r>
             <a:endParaRPr lang="en-US" dirty="0">
               <a:solidFill>
@@ -4578,10 +4866,10 @@
       </p:sp>
       <p:sp>
         <p:nvSpPr>
-          <p:cNvPr id="36" name="Rectangle 35">
-            <a:extLst>
-              <a:ext uri="{FF2B5EF4-FFF2-40B4-BE49-F238E27FC236}">
-                <a16:creationId xmlns:a16="http://schemas.microsoft.com/office/drawing/2014/main" id="{9532F4A9-7B2A-43CD-A4D4-392B3B866400}"/>
+          <p:cNvPr id="37" name="Rectangle 36">
+            <a:extLst>
+              <a:ext uri="{FF2B5EF4-FFF2-40B4-BE49-F238E27FC236}">
+                <a16:creationId xmlns:a16="http://schemas.microsoft.com/office/drawing/2014/main" id="{0B6CE29E-0579-40C6-9089-A15954CDAFBA}"/>
               </a:ext>
             </a:extLst>
           </p:cNvPr>
@@ -4590,7 +4878,7 @@
         </p:nvSpPr>
         <p:spPr>
           <a:xfrm>
-            <a:off x="6363050" y="4573952"/>
+            <a:off x="7992610" y="4573952"/>
             <a:ext cx="1249960" cy="302004"/>
           </a:xfrm>
           <a:prstGeom prst="rect">
@@ -4632,7 +4920,7 @@
                   <a:schemeClr val="tx1"/>
                 </a:solidFill>
               </a:rPr>
-              <a:t>Normal</a:t>
+              <a:t>Hölle</a:t>
             </a:r>
             <a:endParaRPr lang="en-US" dirty="0">
               <a:solidFill>
@@ -4642,12 +4930,148 @@
           </a:p>
         </p:txBody>
       </p:sp>
-      <p:sp>
-        <p:nvSpPr>
-          <p:cNvPr id="37" name="Rectangle 36">
-            <a:extLst>
-              <a:ext uri="{FF2B5EF4-FFF2-40B4-BE49-F238E27FC236}">
-                <a16:creationId xmlns:a16="http://schemas.microsoft.com/office/drawing/2014/main" id="{0B6CE29E-0579-40C6-9089-A15954CDAFBA}"/>
+      <p:cxnSp>
+        <p:nvCxnSpPr>
+          <p:cNvPr id="41" name="Connector: Elbow 40">
+            <a:extLst>
+              <a:ext uri="{FF2B5EF4-FFF2-40B4-BE49-F238E27FC236}">
+                <a16:creationId xmlns:a16="http://schemas.microsoft.com/office/drawing/2014/main" id="{118ECF88-AC9C-4696-9F46-EC540725B8D5}"/>
+              </a:ext>
+            </a:extLst>
+          </p:cNvPr>
+          <p:cNvCxnSpPr>
+            <a:cxnSpLocks/>
+            <a:stCxn id="36" idx="2"/>
+          </p:cNvCxnSpPr>
+          <p:nvPr/>
+        </p:nvCxnSpPr>
+        <p:spPr>
+          <a:xfrm rot="16200000" flipH="1">
+            <a:off x="8572800" y="3291186"/>
+            <a:ext cx="581869" cy="3751408"/>
+          </a:xfrm>
+          <a:prstGeom prst="bentConnector2">
+            <a:avLst/>
+          </a:prstGeom>
+          <a:ln w="28575">
+            <a:solidFill>
+              <a:schemeClr val="tx1"/>
+            </a:solidFill>
+            <a:tailEnd type="triangle"/>
+          </a:ln>
+        </p:spPr>
+        <p:style>
+          <a:lnRef idx="1">
+            <a:schemeClr val="accent1"/>
+          </a:lnRef>
+          <a:fillRef idx="0">
+            <a:schemeClr val="accent1"/>
+          </a:fillRef>
+          <a:effectRef idx="0">
+            <a:schemeClr val="accent1"/>
+          </a:effectRef>
+          <a:fontRef idx="minor">
+            <a:schemeClr val="tx1"/>
+          </a:fontRef>
+        </p:style>
+      </p:cxnSp>
+      <p:cxnSp>
+        <p:nvCxnSpPr>
+          <p:cNvPr id="43" name="Straight Connector 42">
+            <a:extLst>
+              <a:ext uri="{FF2B5EF4-FFF2-40B4-BE49-F238E27FC236}">
+                <a16:creationId xmlns:a16="http://schemas.microsoft.com/office/drawing/2014/main" id="{A599B842-1648-44CE-9867-22B66B0987CF}"/>
+              </a:ext>
+            </a:extLst>
+          </p:cNvPr>
+          <p:cNvCxnSpPr>
+            <a:stCxn id="37" idx="2"/>
+          </p:cNvCxnSpPr>
+          <p:nvPr/>
+        </p:nvCxnSpPr>
+        <p:spPr>
+          <a:xfrm>
+            <a:off x="8617590" y="4875956"/>
+            <a:ext cx="0" cy="581869"/>
+          </a:xfrm>
+          <a:prstGeom prst="line">
+            <a:avLst/>
+          </a:prstGeom>
+          <a:ln w="28575">
+            <a:solidFill>
+              <a:schemeClr val="tx1"/>
+            </a:solidFill>
+          </a:ln>
+        </p:spPr>
+        <p:style>
+          <a:lnRef idx="1">
+            <a:schemeClr val="accent1"/>
+          </a:lnRef>
+          <a:fillRef idx="0">
+            <a:schemeClr val="accent1"/>
+          </a:fillRef>
+          <a:effectRef idx="0">
+            <a:schemeClr val="accent1"/>
+          </a:effectRef>
+          <a:fontRef idx="minor">
+            <a:schemeClr val="tx1"/>
+          </a:fontRef>
+        </p:style>
+      </p:cxnSp>
+      <p:sp>
+        <p:nvSpPr>
+          <p:cNvPr id="46" name="TextBox 45">
+            <a:extLst>
+              <a:ext uri="{FF2B5EF4-FFF2-40B4-BE49-F238E27FC236}">
+                <a16:creationId xmlns:a16="http://schemas.microsoft.com/office/drawing/2014/main" id="{7B314918-191F-44BA-B631-5BE62A51839B}"/>
+              </a:ext>
+            </a:extLst>
+          </p:cNvPr>
+          <p:cNvSpPr txBox="1"/>
+          <p:nvPr/>
+        </p:nvSpPr>
+        <p:spPr>
+          <a:xfrm>
+            <a:off x="10694429" y="5088494"/>
+            <a:ext cx="1293944" cy="738664"/>
+          </a:xfrm>
+          <a:prstGeom prst="rect">
+            <a:avLst/>
+          </a:prstGeom>
+          <a:noFill/>
+        </p:spPr>
+        <p:txBody>
+          <a:bodyPr wrap="none" rtlCol="0">
+            <a:spAutoFit/>
+          </a:bodyPr>
+          <a:lstStyle/>
+          <a:p>
+            <a:r>
+              <a:rPr lang="de-DE" sz="1400" dirty="0"/>
+              <a:t>Wechsel</a:t>
+            </a:r>
+          </a:p>
+          <a:p>
+            <a:r>
+              <a:rPr lang="de-DE" sz="1400" dirty="0"/>
+              <a:t>zu</a:t>
+            </a:r>
+          </a:p>
+          <a:p>
+            <a:r>
+              <a:rPr lang="de-DE" sz="1400" dirty="0"/>
+              <a:t>Spielbildschirm</a:t>
+            </a:r>
+            <a:endParaRPr lang="en-US" sz="1400" dirty="0"/>
+          </a:p>
+        </p:txBody>
+      </p:sp>
+      <p:sp>
+        <p:nvSpPr>
+          <p:cNvPr id="18" name="Rectangle 17">
+            <a:extLst>
+              <a:ext uri="{FF2B5EF4-FFF2-40B4-BE49-F238E27FC236}">
+                <a16:creationId xmlns:a16="http://schemas.microsoft.com/office/drawing/2014/main" id="{337CE1E2-4D0F-4146-BA0C-23A7B471A2C2}"/>
               </a:ext>
             </a:extLst>
           </p:cNvPr>
@@ -4656,8 +5080,8 @@
         </p:nvSpPr>
         <p:spPr>
           <a:xfrm>
-            <a:off x="7992610" y="4573952"/>
-            <a:ext cx="1249960" cy="302004"/>
+            <a:off x="6363051" y="5949890"/>
+            <a:ext cx="2879520" cy="302004"/>
           </a:xfrm>
           <a:prstGeom prst="rect">
             <a:avLst/>
@@ -4698,7 +5122,7 @@
                   <a:schemeClr val="tx1"/>
                 </a:solidFill>
               </a:rPr>
-              <a:t>Hölle</a:t>
+              <a:t>Monsterpunkte</a:t>
             </a:r>
             <a:endParaRPr lang="en-US" dirty="0">
               <a:solidFill>
@@ -4708,73 +5132,29 @@
           </a:p>
         </p:txBody>
       </p:sp>
-      <p:cxnSp>
-        <p:nvCxnSpPr>
-          <p:cNvPr id="41" name="Connector: Elbow 40">
-            <a:extLst>
-              <a:ext uri="{FF2B5EF4-FFF2-40B4-BE49-F238E27FC236}">
-                <a16:creationId xmlns:a16="http://schemas.microsoft.com/office/drawing/2014/main" id="{118ECF88-AC9C-4696-9F46-EC540725B8D5}"/>
-              </a:ext>
-            </a:extLst>
-          </p:cNvPr>
-          <p:cNvCxnSpPr>
-            <a:cxnSpLocks/>
-            <a:stCxn id="36" idx="2"/>
-          </p:cNvCxnSpPr>
+      <p:sp>
+        <p:nvSpPr>
+          <p:cNvPr id="22" name="Rectangle 21">
+            <a:extLst>
+              <a:ext uri="{FF2B5EF4-FFF2-40B4-BE49-F238E27FC236}">
+                <a16:creationId xmlns:a16="http://schemas.microsoft.com/office/drawing/2014/main" id="{644379F3-5FD3-41EB-8342-D949181FCAF1}"/>
+              </a:ext>
+            </a:extLst>
+          </p:cNvPr>
+          <p:cNvSpPr/>
           <p:nvPr/>
-        </p:nvCxnSpPr>
+        </p:nvSpPr>
         <p:spPr>
-          <a:xfrm rot="16200000" flipH="1">
-            <a:off x="8572800" y="3291186"/>
-            <a:ext cx="581869" cy="3751408"/>
-          </a:xfrm>
-          <a:prstGeom prst="bentConnector2">
+          <a:xfrm>
+            <a:off x="5735972" y="601193"/>
+            <a:ext cx="1440809" cy="302004"/>
+          </a:xfrm>
+          <a:prstGeom prst="rect">
             <a:avLst/>
           </a:prstGeom>
-          <a:ln w="28575">
-            <a:solidFill>
-              <a:schemeClr val="tx1"/>
-            </a:solidFill>
-            <a:tailEnd type="triangle"/>
-          </a:ln>
-        </p:spPr>
-        <p:style>
-          <a:lnRef idx="1">
-            <a:schemeClr val="accent1"/>
-          </a:lnRef>
-          <a:fillRef idx="0">
-            <a:schemeClr val="accent1"/>
-          </a:fillRef>
-          <a:effectRef idx="0">
-            <a:schemeClr val="accent1"/>
-          </a:effectRef>
-          <a:fontRef idx="minor">
-            <a:schemeClr val="tx1"/>
-          </a:fontRef>
-        </p:style>
-      </p:cxnSp>
-      <p:cxnSp>
-        <p:nvCxnSpPr>
-          <p:cNvPr id="43" name="Straight Connector 42">
-            <a:extLst>
-              <a:ext uri="{FF2B5EF4-FFF2-40B4-BE49-F238E27FC236}">
-                <a16:creationId xmlns:a16="http://schemas.microsoft.com/office/drawing/2014/main" id="{A599B842-1648-44CE-9867-22B66B0987CF}"/>
-              </a:ext>
-            </a:extLst>
-          </p:cNvPr>
-          <p:cNvCxnSpPr>
-            <a:stCxn id="37" idx="2"/>
-          </p:cNvCxnSpPr>
-          <p:nvPr/>
-        </p:nvCxnSpPr>
-        <p:spPr>
-          <a:xfrm>
-            <a:off x="8617590" y="4875956"/>
-            <a:ext cx="0" cy="581869"/>
-          </a:xfrm>
-          <a:prstGeom prst="line">
-            <a:avLst/>
-          </a:prstGeom>
+          <a:solidFill>
+            <a:schemeClr val="bg1"/>
+          </a:solidFill>
           <a:ln w="28575">
             <a:solidFill>
               <a:schemeClr val="tx1"/>
@@ -4782,65 +5162,39 @@
           </a:ln>
         </p:spPr>
         <p:style>
-          <a:lnRef idx="1">
-            <a:schemeClr val="accent1"/>
+          <a:lnRef idx="2">
+            <a:schemeClr val="accent1">
+              <a:shade val="50000"/>
+            </a:schemeClr>
           </a:lnRef>
-          <a:fillRef idx="0">
+          <a:fillRef idx="1">
             <a:schemeClr val="accent1"/>
           </a:fillRef>
           <a:effectRef idx="0">
             <a:schemeClr val="accent1"/>
           </a:effectRef>
           <a:fontRef idx="minor">
-            <a:schemeClr val="tx1"/>
+            <a:schemeClr val="lt1"/>
           </a:fontRef>
         </p:style>
-      </p:cxnSp>
-      <p:sp>
-        <p:nvSpPr>
-          <p:cNvPr id="46" name="TextBox 45">
-            <a:extLst>
-              <a:ext uri="{FF2B5EF4-FFF2-40B4-BE49-F238E27FC236}">
-                <a16:creationId xmlns:a16="http://schemas.microsoft.com/office/drawing/2014/main" id="{7B314918-191F-44BA-B631-5BE62A51839B}"/>
-              </a:ext>
-            </a:extLst>
-          </p:cNvPr>
-          <p:cNvSpPr txBox="1"/>
-          <p:nvPr/>
-        </p:nvSpPr>
-        <p:spPr>
-          <a:xfrm>
-            <a:off x="10694429" y="5088494"/>
-            <a:ext cx="1293944" cy="738664"/>
-          </a:xfrm>
-          <a:prstGeom prst="rect">
-            <a:avLst/>
-          </a:prstGeom>
-          <a:noFill/>
-        </p:spPr>
-        <p:txBody>
-          <a:bodyPr wrap="none" rtlCol="0">
-            <a:spAutoFit/>
-          </a:bodyPr>
-          <a:lstStyle/>
-          <a:p>
-            <a:r>
-              <a:rPr lang="de-DE" sz="1400" dirty="0"/>
-              <a:t>Wechsel</a:t>
-            </a:r>
-          </a:p>
-          <a:p>
-            <a:r>
-              <a:rPr lang="de-DE" sz="1400" dirty="0"/>
-              <a:t>zu</a:t>
-            </a:r>
-          </a:p>
-          <a:p>
-            <a:r>
-              <a:rPr lang="de-DE" sz="1400" dirty="0"/>
-              <a:t>Spielbildschirm</a:t>
-            </a:r>
-            <a:endParaRPr lang="en-US" sz="1400" dirty="0"/>
+        <p:txBody>
+          <a:bodyPr rtlCol="0" anchor="ctr"/>
+          <a:lstStyle/>
+          <a:p>
+            <a:pPr algn="ctr"/>
+            <a:r>
+              <a:rPr lang="de-DE" b="1" i="1" dirty="0">
+                <a:solidFill>
+                  <a:schemeClr val="tx1"/>
+                </a:solidFill>
+              </a:rPr>
+              <a:t>Highscore-N</a:t>
+            </a:r>
+            <a:endParaRPr lang="en-US" b="1" i="1" dirty="0">
+              <a:solidFill>
+                <a:schemeClr val="tx1"/>
+              </a:solidFill>
+            </a:endParaRPr>
           </a:p>
         </p:txBody>
       </p:sp>
@@ -5489,7 +5843,7 @@
         </p:nvGrpSpPr>
         <p:grpSpPr>
           <a:xfrm>
-            <a:off x="8630524" y="1960857"/>
+            <a:off x="8630524" y="1390405"/>
             <a:ext cx="324000" cy="266095"/>
             <a:chOff x="5701512" y="2254682"/>
             <a:chExt cx="324000" cy="266095"/>
@@ -5617,7 +5971,7 @@
         </p:nvGrpSpPr>
         <p:grpSpPr>
           <a:xfrm>
-            <a:off x="7620657" y="1964227"/>
+            <a:off x="7620657" y="1393775"/>
             <a:ext cx="324000" cy="266095"/>
             <a:chOff x="5701512" y="2254682"/>
             <a:chExt cx="324000" cy="266095"/>
@@ -5745,7 +6099,7 @@
         </p:nvGrpSpPr>
         <p:grpSpPr>
           <a:xfrm>
-            <a:off x="6515823" y="1965930"/>
+            <a:off x="6515823" y="1395478"/>
             <a:ext cx="324000" cy="266095"/>
             <a:chOff x="5701512" y="2254682"/>
             <a:chExt cx="324000" cy="266095"/>
@@ -5873,7 +6227,7 @@
         </p:nvSpPr>
         <p:spPr>
           <a:xfrm>
-            <a:off x="8184268" y="2074108"/>
+            <a:off x="8184268" y="1503656"/>
             <a:ext cx="303922" cy="46140"/>
           </a:xfrm>
           <a:prstGeom prst="leftArrow">
@@ -5927,7 +6281,7 @@
         </p:nvSpPr>
         <p:spPr>
           <a:xfrm>
-            <a:off x="7030795" y="2076205"/>
+            <a:off x="7030795" y="1505753"/>
             <a:ext cx="303922" cy="46140"/>
           </a:xfrm>
           <a:prstGeom prst="leftArrow">
@@ -5981,7 +6335,7 @@
         </p:nvGrpSpPr>
         <p:grpSpPr>
           <a:xfrm flipH="1">
-            <a:off x="8627655" y="2727215"/>
+            <a:off x="8627655" y="2156763"/>
             <a:ext cx="324000" cy="266095"/>
             <a:chOff x="5701512" y="2254682"/>
             <a:chExt cx="324000" cy="266095"/>
@@ -6109,7 +6463,7 @@
         </p:nvGrpSpPr>
         <p:grpSpPr>
           <a:xfrm flipH="1">
-            <a:off x="7617788" y="2730585"/>
+            <a:off x="7617788" y="2160133"/>
             <a:ext cx="324000" cy="266095"/>
             <a:chOff x="5701512" y="2254682"/>
             <a:chExt cx="324000" cy="266095"/>
@@ -6237,7 +6591,7 @@
         </p:nvGrpSpPr>
         <p:grpSpPr>
           <a:xfrm flipH="1">
-            <a:off x="6512954" y="2732288"/>
+            <a:off x="6512954" y="2161836"/>
             <a:ext cx="324000" cy="266095"/>
             <a:chOff x="5701512" y="2254682"/>
             <a:chExt cx="324000" cy="266095"/>
@@ -6365,7 +6719,7 @@
         </p:nvSpPr>
         <p:spPr>
           <a:xfrm flipH="1">
-            <a:off x="8181399" y="2840466"/>
+            <a:off x="8181399" y="2270014"/>
             <a:ext cx="303922" cy="46140"/>
           </a:xfrm>
           <a:prstGeom prst="leftArrow">
@@ -6419,7 +6773,7 @@
         </p:nvSpPr>
         <p:spPr>
           <a:xfrm flipH="1">
-            <a:off x="7027926" y="2842563"/>
+            <a:off x="7027926" y="2272111"/>
             <a:ext cx="303922" cy="46140"/>
           </a:xfrm>
           <a:prstGeom prst="leftArrow">
@@ -6473,7 +6827,7 @@
         </p:nvGrpSpPr>
         <p:grpSpPr>
           <a:xfrm>
-            <a:off x="8627655" y="3546814"/>
+            <a:off x="8627655" y="2976362"/>
             <a:ext cx="324000" cy="266095"/>
             <a:chOff x="5701512" y="2254682"/>
             <a:chExt cx="324000" cy="266095"/>
@@ -6601,7 +6955,7 @@
         </p:nvGrpSpPr>
         <p:grpSpPr>
           <a:xfrm>
-            <a:off x="7617788" y="3550184"/>
+            <a:off x="7617788" y="2979732"/>
             <a:ext cx="324000" cy="266095"/>
             <a:chOff x="5701512" y="2254682"/>
             <a:chExt cx="324000" cy="266095"/>
@@ -6729,7 +7083,7 @@
         </p:nvGrpSpPr>
         <p:grpSpPr>
           <a:xfrm>
-            <a:off x="6512954" y="3551887"/>
+            <a:off x="6512954" y="2981435"/>
             <a:ext cx="324000" cy="266095"/>
             <a:chOff x="5701512" y="2254682"/>
             <a:chExt cx="324000" cy="266095"/>
@@ -6857,7 +7211,7 @@
         </p:nvSpPr>
         <p:spPr>
           <a:xfrm>
-            <a:off x="8181399" y="3660065"/>
+            <a:off x="8181399" y="3089613"/>
             <a:ext cx="303922" cy="46140"/>
           </a:xfrm>
           <a:prstGeom prst="leftArrow">
@@ -6911,7 +7265,7 @@
         </p:nvSpPr>
         <p:spPr>
           <a:xfrm>
-            <a:off x="7027926" y="3662162"/>
+            <a:off x="7027926" y="3091710"/>
             <a:ext cx="303922" cy="46140"/>
           </a:xfrm>
           <a:prstGeom prst="leftArrow">
@@ -6965,7 +7319,7 @@
         </p:nvSpPr>
         <p:spPr>
           <a:xfrm rot="16200000">
-            <a:off x="6522993" y="4064755"/>
+            <a:off x="6522993" y="3494303"/>
             <a:ext cx="303922" cy="46140"/>
           </a:xfrm>
           <a:prstGeom prst="leftArrow">
@@ -7525,7 +7879,7 @@
         </p:nvSpPr>
         <p:spPr>
           <a:xfrm>
-            <a:off x="5981350" y="1394792"/>
+            <a:off x="5981350" y="3810824"/>
             <a:ext cx="3640821" cy="302004"/>
           </a:xfrm>
           <a:prstGeom prst="rect">
@@ -7642,7 +7996,7 @@
         </p:nvSpPr>
         <p:spPr>
           <a:xfrm rot="16200000">
-            <a:off x="8637693" y="3278791"/>
+            <a:off x="8637693" y="2708339"/>
             <a:ext cx="303922" cy="46140"/>
           </a:xfrm>
           <a:prstGeom prst="leftArrow">
@@ -7696,7 +8050,7 @@
         </p:nvSpPr>
         <p:spPr>
           <a:xfrm rot="16200000">
-            <a:off x="6521987" y="2458706"/>
+            <a:off x="6521987" y="1888254"/>
             <a:ext cx="303922" cy="46140"/>
           </a:xfrm>
           <a:prstGeom prst="leftArrow">
